--- a/Report#03/UI 설계 발표자료.pptx
+++ b/Report#03/UI 설계 발표자료.pptx
@@ -4189,14 +4189,14 @@
           <a:p>
             <a:pPr algn="ctr"/>
             <a:r>
-              <a:rPr lang="en-US" altLang="ko-KR" sz="1400">
+              <a:rPr lang="en-US" altLang="ko-KR" sz="1400" dirty="0">
                 <a:solidFill>
                   <a:schemeClr val="bg1"/>
                 </a:solidFill>
                 <a:latin typeface="나눔스퀘어" panose="020B0600000101010101" pitchFamily="50" charset="-127"/>
                 <a:ea typeface="나눔스퀘어" panose="020B0600000101010101" pitchFamily="50" charset="-127"/>
               </a:rPr>
-              <a:t>4</a:t>
+              <a:t>3</a:t>
             </a:r>
             <a:r>
               <a:rPr lang="ko-KR" altLang="en-US" sz="1400" dirty="0">
